--- a/docs/Presentation_v0.pptx
+++ b/docs/Presentation_v0.pptx
@@ -108,6 +108,11 @@
       </a:defRPr>
     </a:lvl9pPr>
   </p:defaultTextStyle>
+  <p:extLst>
+    <p:ext uri="{EFAFB233-063F-42B5-8137-9DF3F51BA10A}">
+      <p15:sldGuideLst xmlns:p15="http://schemas.microsoft.com/office/powerpoint/2012/main"/>
+    </p:ext>
+  </p:extLst>
 </p:presentation>
 </file>
 
@@ -957,9 +962,14 @@
             <a:defRPr cap="all"/>
           </a:pPr>
           <a:r>
-            <a:rPr lang="en-US"/>
-            <a:t>SPA App + REST Api</a:t>
+            <a:rPr lang="en-US" dirty="0"/>
+            <a:t>SPA React App + REST </a:t>
           </a:r>
+          <a:r>
+            <a:rPr lang="en-US" dirty="0" err="1"/>
+            <a:t>Api</a:t>
+          </a:r>
+          <a:endParaRPr lang="en-US" dirty="0"/>
         </a:p>
       </dgm:t>
     </dgm:pt>
@@ -1405,9 +1415,14 @@
             <a:defRPr cap="all"/>
           </a:pPr>
           <a:r>
-            <a:rPr lang="en-US" sz="3400" kern="1200"/>
-            <a:t>SPA App + REST Api</a:t>
+            <a:rPr lang="en-US" sz="3400" kern="1200" dirty="0"/>
+            <a:t>SPA React App + REST </a:t>
           </a:r>
+          <a:r>
+            <a:rPr lang="en-US" sz="3400" kern="1200" dirty="0" err="1"/>
+            <a:t>Api</a:t>
+          </a:r>
+          <a:endParaRPr lang="en-US" sz="3400" kern="1200" dirty="0"/>
         </a:p>
       </dsp:txBody>
       <dsp:txXfrm>
@@ -8092,6 +8107,11 @@
           </p:cNvGraphicFramePr>
           <p:nvPr>
             <p:ph idx="1"/>
+            <p:extLst>
+              <p:ext uri="{D42A27DB-BD31-4B8C-83A1-F6EECF244321}">
+                <p14:modId xmlns:p14="http://schemas.microsoft.com/office/powerpoint/2010/main" val="7043678"/>
+              </p:ext>
+            </p:extLst>
           </p:nvPr>
         </p:nvGraphicFramePr>
         <p:xfrm>
@@ -8482,27 +8502,8 @@
                 <a:ea typeface="+mj-ea"/>
                 <a:cs typeface="+mj-cs"/>
               </a:rPr>
-              <a:t>System </a:t>
+              <a:t>System Design</a:t>
             </a:r>
-            <a:r>
-              <a:rPr lang="en-US" sz="4000" kern="1200">
-                <a:solidFill>
-                  <a:srgbClr val="FFFFFF"/>
-                </a:solidFill>
-                <a:latin typeface="+mj-lt"/>
-                <a:ea typeface="+mj-ea"/>
-                <a:cs typeface="+mj-cs"/>
-              </a:rPr>
-              <a:t>Designc</a:t>
-            </a:r>
-            <a:endParaRPr lang="en-US" sz="4000" kern="1200" dirty="0">
-              <a:solidFill>
-                <a:srgbClr val="FFFFFF"/>
-              </a:solidFill>
-              <a:latin typeface="+mj-lt"/>
-              <a:ea typeface="+mj-ea"/>
-              <a:cs typeface="+mj-cs"/>
-            </a:endParaRPr>
           </a:p>
         </p:txBody>
       </p:sp>

--- a/docs/Presentation_v0.pptx
+++ b/docs/Presentation_v0.pptx
@@ -9034,10 +9034,10 @@
       </p:sp>
       <p:pic>
         <p:nvPicPr>
-          <p:cNvPr id="8" name="Picture 7" descr="Diagram, schematic&#10;&#10;Description automatically generated">
-            <a:extLst>
-              <a:ext uri="{FF2B5EF4-FFF2-40B4-BE49-F238E27FC236}">
-                <a16:creationId xmlns:a16="http://schemas.microsoft.com/office/drawing/2014/main" id="{128DECBD-D3C0-A44F-A9B9-3CD6B0272450}"/>
+          <p:cNvPr id="5" name="תמונה 4" descr="תמונה שמכילה תרשים, סכמטי&#10;&#10;התיאור נוצר באופן אוטומטי">
+            <a:extLst>
+              <a:ext uri="{FF2B5EF4-FFF2-40B4-BE49-F238E27FC236}">
+                <a16:creationId xmlns:a16="http://schemas.microsoft.com/office/drawing/2014/main" id="{1D4E8B05-CFA2-4222-970A-B30916757CFF}"/>
               </a:ext>
             </a:extLst>
           </p:cNvPr>
@@ -9060,8 +9060,8 @@
         </p:blipFill>
         <p:spPr>
           <a:xfrm>
-            <a:off x="2157982" y="1639646"/>
-            <a:ext cx="7876035" cy="5158802"/>
+            <a:off x="2256605" y="1602644"/>
+            <a:ext cx="7629605" cy="5007318"/>
           </a:xfrm>
           <a:prstGeom prst="rect">
             <a:avLst/>
